--- a/prefig.pptx
+++ b/prefig.pptx
@@ -8,11 +8,13 @@
     <p:sldId id="263" r:id="rId2"/>
     <p:sldId id="260" r:id="rId3"/>
     <p:sldId id="256" r:id="rId4"/>
-    <p:sldId id="261" r:id="rId5"/>
-    <p:sldId id="257" r:id="rId6"/>
-    <p:sldId id="258" r:id="rId7"/>
+    <p:sldId id="264" r:id="rId5"/>
+    <p:sldId id="266" r:id="rId6"/>
+    <p:sldId id="257" r:id="rId7"/>
     <p:sldId id="259" r:id="rId8"/>
-    <p:sldId id="262" r:id="rId9"/>
+    <p:sldId id="258" r:id="rId9"/>
+    <p:sldId id="265" r:id="rId10"/>
+    <p:sldId id="262" r:id="rId11"/>
   </p:sldIdLst>
   <p:sldSz cx="9144000" cy="6858000" type="screen4x3"/>
   <p:notesSz cx="6858000" cy="9144000"/>
@@ -3115,7 +3117,12 @@
             <p:ph type="ctrTitle"/>
           </p:nvPr>
         </p:nvSpPr>
-        <p:spPr/>
+        <p:spPr>
+          <a:xfrm>
+            <a:off x="685800" y="1395412"/>
+            <a:ext cx="7772400" cy="1470025"/>
+          </a:xfrm>
+        </p:spPr>
         <p:txBody>
           <a:bodyPr/>
           <a:lstStyle/>
@@ -3160,20 +3167,102 @@
             <p:ph type="subTitle" idx="1"/>
           </p:nvPr>
         </p:nvSpPr>
-        <p:spPr/>
-        <p:txBody>
-          <a:bodyPr/>
+        <p:spPr>
+          <a:xfrm>
+            <a:off x="1371600" y="3438988"/>
+            <a:ext cx="6400800" cy="2249552"/>
+          </a:xfrm>
+        </p:spPr>
+        <p:txBody>
+          <a:bodyPr>
+            <a:normAutofit fontScale="77500" lnSpcReduction="20000"/>
+          </a:bodyPr>
           <a:lstStyle/>
           <a:p>
             <a:r>
-              <a:rPr lang="en-US" dirty="0"/>
-              <a:t>a</a:t>
-            </a:r>
+              <a:rPr lang="en-US" dirty="0" err="1" smtClean="0">
+                <a:solidFill>
+                  <a:srgbClr val="FFFFFF"/>
+                </a:solidFill>
+              </a:rPr>
+              <a:t>github.com</a:t>
+            </a:r>
+            <a:r>
+              <a:rPr lang="en-US" dirty="0" smtClean="0">
+                <a:solidFill>
+                  <a:srgbClr val="FFFFFF"/>
+                </a:solidFill>
+              </a:rPr>
+              <a:t>/</a:t>
+            </a:r>
+            <a:r>
+              <a:rPr lang="en-US" dirty="0" err="1" smtClean="0">
+                <a:solidFill>
+                  <a:srgbClr val="FFFFFF"/>
+                </a:solidFill>
+              </a:rPr>
+              <a:t>rjsmethurst</a:t>
+            </a:r>
+            <a:r>
+              <a:rPr lang="en-US" dirty="0" smtClean="0">
+                <a:solidFill>
+                  <a:srgbClr val="FFFFFF"/>
+                </a:solidFill>
+              </a:rPr>
+              <a:t>/</a:t>
+            </a:r>
+            <a:r>
+              <a:rPr lang="en-US" dirty="0" err="1" smtClean="0">
+                <a:solidFill>
+                  <a:srgbClr val="FFFFFF"/>
+                </a:solidFill>
+              </a:rPr>
+              <a:t>prefig</a:t>
+            </a:r>
+            <a:endParaRPr lang="en-US" dirty="0" smtClean="0">
+              <a:solidFill>
+                <a:srgbClr val="FFFFFF"/>
+              </a:solidFill>
+            </a:endParaRPr>
+          </a:p>
+          <a:p>
+            <a:endParaRPr lang="en-US" dirty="0" smtClean="0">
+              <a:solidFill>
+                <a:srgbClr val="FFFFFF"/>
+              </a:solidFill>
+            </a:endParaRPr>
+          </a:p>
+          <a:p>
             <a:r>
               <a:rPr lang="en-US" dirty="0" smtClean="0"/>
-              <a:t> python figure class for producing presentation &amp; poster worthy plots</a:t>
-            </a:r>
-            <a:endParaRPr lang="en-US" dirty="0"/>
+              <a:t>a python figure class for producing presentation &amp; poster worthy plots</a:t>
+            </a:r>
+          </a:p>
+          <a:p>
+            <a:endParaRPr lang="en-US" dirty="0" smtClean="0"/>
+          </a:p>
+          <a:p>
+            <a:r>
+              <a:rPr lang="en-US" sz="3100" dirty="0" smtClean="0">
+                <a:solidFill>
+                  <a:schemeClr val="bg1"/>
+                </a:solidFill>
+              </a:rPr>
+              <a:t>#</a:t>
+            </a:r>
+            <a:r>
+              <a:rPr lang="en-US" sz="3100" dirty="0" err="1" smtClean="0">
+                <a:solidFill>
+                  <a:schemeClr val="bg1"/>
+                </a:solidFill>
+              </a:rPr>
+              <a:t>myfirsthack</a:t>
+            </a:r>
+            <a:endParaRPr lang="en-US" sz="3100" dirty="0">
+              <a:solidFill>
+                <a:schemeClr val="bg1"/>
+              </a:solidFill>
+            </a:endParaRPr>
           </a:p>
         </p:txBody>
       </p:sp>
@@ -3187,6 +3276,88 @@
   <p:clrMapOvr>
     <a:masterClrMapping/>
   </p:clrMapOvr>
+  <p:timing>
+    <p:tnLst>
+      <p:par>
+        <p:cTn xmlns:p14="http://schemas.microsoft.com/office/powerpoint/2010/main" id="1" dur="indefinite" restart="never" nodeType="tmRoot"/>
+      </p:par>
+    </p:tnLst>
+  </p:timing>
+</p:sld>
+</file>
+
+<file path=ppt/slides/slide10.xml><?xml version="1.0" encoding="utf-8"?>
+<p:sld xmlns:a="http://schemas.openxmlformats.org/drawingml/2006/main" xmlns:r="http://schemas.openxmlformats.org/officeDocument/2006/relationships" xmlns:p="http://schemas.openxmlformats.org/presentationml/2006/main">
+  <p:cSld>
+    <p:bg>
+      <p:bgPr>
+        <a:solidFill>
+          <a:schemeClr val="bg1"/>
+        </a:solidFill>
+        <a:effectLst/>
+      </p:bgPr>
+    </p:bg>
+    <p:spTree>
+      <p:nvGrpSpPr>
+        <p:cNvPr id="1" name=""/>
+        <p:cNvGrpSpPr/>
+        <p:nvPr/>
+      </p:nvGrpSpPr>
+      <p:grpSpPr>
+        <a:xfrm>
+          <a:off x="0" y="0"/>
+          <a:ext cx="0" cy="0"/>
+          <a:chOff x="0" y="0"/>
+          <a:chExt cx="0" cy="0"/>
+        </a:xfrm>
+      </p:grpSpPr>
+      <p:pic>
+        <p:nvPicPr>
+          <p:cNvPr id="5" name="Picture 4" descr="test_prefig.png"/>
+          <p:cNvPicPr>
+            <a:picLocks noChangeAspect="1"/>
+          </p:cNvPicPr>
+          <p:nvPr/>
+        </p:nvPicPr>
+        <p:blipFill>
+          <a:blip r:embed="rId2">
+            <a:extLst>
+              <a:ext uri="{28A0092B-C50C-407E-A947-70E740481C1C}">
+                <a14:useLocalDpi xmlns:a14="http://schemas.microsoft.com/office/drawing/2010/main" val="0"/>
+              </a:ext>
+            </a:extLst>
+          </a:blip>
+          <a:stretch>
+            <a:fillRect/>
+          </a:stretch>
+        </p:blipFill>
+        <p:spPr>
+          <a:xfrm>
+            <a:off x="0" y="0"/>
+            <a:ext cx="9144000" cy="6858000"/>
+          </a:xfrm>
+          <a:prstGeom prst="rect">
+            <a:avLst/>
+          </a:prstGeom>
+        </p:spPr>
+      </p:pic>
+    </p:spTree>
+    <p:extLst>
+      <p:ext uri="{BB962C8B-B14F-4D97-AF65-F5344CB8AC3E}">
+        <p14:creationId xmlns:p14="http://schemas.microsoft.com/office/powerpoint/2010/main" val="759618377"/>
+      </p:ext>
+    </p:extLst>
+  </p:cSld>
+  <p:clrMapOvr>
+    <a:masterClrMapping/>
+  </p:clrMapOvr>
+  <p:timing>
+    <p:tnLst>
+      <p:par>
+        <p:cTn xmlns:p14="http://schemas.microsoft.com/office/powerpoint/2010/main" id="1" dur="indefinite" restart="never" nodeType="tmRoot"/>
+      </p:par>
+    </p:tnLst>
+  </p:timing>
 </p:sld>
 </file>
 
@@ -3534,6 +3705,13 @@
   <p:clrMapOvr>
     <a:masterClrMapping/>
   </p:clrMapOvr>
+  <p:timing>
+    <p:tnLst>
+      <p:par>
+        <p:cTn xmlns:p14="http://schemas.microsoft.com/office/powerpoint/2010/main" id="1" dur="indefinite" restart="never" nodeType="tmRoot"/>
+      </p:par>
+    </p:tnLst>
+  </p:timing>
 </p:sld>
 </file>
 
@@ -3633,8 +3811,8 @@
         </p:nvSpPr>
         <p:spPr>
           <a:xfrm>
-            <a:off x="457200" y="321994"/>
-            <a:ext cx="8229600" cy="5804170"/>
+            <a:off x="457200" y="429324"/>
+            <a:ext cx="8229600" cy="6135752"/>
           </a:xfrm>
         </p:spPr>
         <p:txBody>
@@ -3647,6 +3825,251 @@
               <a:buNone/>
             </a:pPr>
             <a:r>
+              <a:rPr lang="en-US" sz="1800" dirty="0" err="1">
+                <a:solidFill>
+                  <a:srgbClr val="FFFFFF"/>
+                </a:solidFill>
+                <a:latin typeface="Andale Mono"/>
+                <a:cs typeface="Andale Mono"/>
+              </a:rPr>
+              <a:t>plt.figure</a:t>
+            </a:r>
+            <a:r>
+              <a:rPr lang="en-US" sz="1800" dirty="0">
+                <a:solidFill>
+                  <a:srgbClr val="FFFFFF"/>
+                </a:solidFill>
+                <a:latin typeface="Andale Mono"/>
+                <a:cs typeface="Andale Mono"/>
+              </a:rPr>
+              <a:t>()</a:t>
+            </a:r>
+          </a:p>
+          <a:p>
+            <a:pPr marL="0" indent="0">
+              <a:buNone/>
+            </a:pPr>
+            <a:r>
+              <a:rPr lang="en-US" sz="1800" dirty="0" err="1">
+                <a:solidFill>
+                  <a:srgbClr val="FFFFFF"/>
+                </a:solidFill>
+                <a:latin typeface="Andale Mono"/>
+                <a:cs typeface="Andale Mono"/>
+              </a:rPr>
+              <a:t>plt.errorbar</a:t>
+            </a:r>
+            <a:r>
+              <a:rPr lang="en-US" sz="1800" dirty="0">
+                <a:solidFill>
+                  <a:srgbClr val="FFFFFF"/>
+                </a:solidFill>
+                <a:latin typeface="Andale Mono"/>
+                <a:cs typeface="Andale Mono"/>
+              </a:rPr>
+              <a:t>(</a:t>
+            </a:r>
+            <a:r>
+              <a:rPr lang="en-US" sz="1800" dirty="0" err="1">
+                <a:solidFill>
+                  <a:srgbClr val="FFFFFF"/>
+                </a:solidFill>
+                <a:latin typeface="Andale Mono"/>
+                <a:cs typeface="Andale Mono"/>
+              </a:rPr>
+              <a:t>x,y</a:t>
+            </a:r>
+            <a:r>
+              <a:rPr lang="en-US" sz="1800" dirty="0">
+                <a:solidFill>
+                  <a:srgbClr val="FFFFFF"/>
+                </a:solidFill>
+                <a:latin typeface="Andale Mono"/>
+                <a:cs typeface="Andale Mono"/>
+              </a:rPr>
+              <a:t>, </a:t>
+            </a:r>
+            <a:r>
+              <a:rPr lang="en-US" sz="1800" dirty="0" err="1">
+                <a:solidFill>
+                  <a:srgbClr val="FFFFFF"/>
+                </a:solidFill>
+                <a:latin typeface="Andale Mono"/>
+                <a:cs typeface="Andale Mono"/>
+              </a:rPr>
+              <a:t>yerr</a:t>
+            </a:r>
+            <a:r>
+              <a:rPr lang="en-US" sz="1800" dirty="0">
+                <a:solidFill>
+                  <a:srgbClr val="FFFFFF"/>
+                </a:solidFill>
+                <a:latin typeface="Andale Mono"/>
+                <a:cs typeface="Andale Mono"/>
+              </a:rPr>
+              <a:t>, </a:t>
+            </a:r>
+            <a:r>
+              <a:rPr lang="en-US" sz="1800" dirty="0" err="1">
+                <a:solidFill>
+                  <a:srgbClr val="FFFFFF"/>
+                </a:solidFill>
+                <a:latin typeface="Andale Mono"/>
+                <a:cs typeface="Andale Mono"/>
+              </a:rPr>
+              <a:t>xerr</a:t>
+            </a:r>
+            <a:r>
+              <a:rPr lang="en-US" sz="1800" dirty="0">
+                <a:solidFill>
+                  <a:srgbClr val="FFFFFF"/>
+                </a:solidFill>
+                <a:latin typeface="Andale Mono"/>
+                <a:cs typeface="Andale Mono"/>
+              </a:rPr>
+              <a:t>=None, </a:t>
+            </a:r>
+            <a:r>
+              <a:rPr lang="en-US" sz="1800" dirty="0" err="1">
+                <a:solidFill>
+                  <a:srgbClr val="FFFFFF"/>
+                </a:solidFill>
+                <a:latin typeface="Andale Mono"/>
+                <a:cs typeface="Andale Mono"/>
+              </a:rPr>
+              <a:t>fmt</a:t>
+            </a:r>
+            <a:r>
+              <a:rPr lang="en-US" sz="1800" dirty="0">
+                <a:solidFill>
+                  <a:srgbClr val="FFFFFF"/>
+                </a:solidFill>
+                <a:latin typeface="Andale Mono"/>
+                <a:cs typeface="Andale Mono"/>
+              </a:rPr>
+              <a:t>=' ', marker='D')</a:t>
+            </a:r>
+          </a:p>
+          <a:p>
+            <a:pPr marL="0" indent="0">
+              <a:buNone/>
+            </a:pPr>
+            <a:r>
+              <a:rPr lang="en-US" sz="1800" dirty="0" err="1">
+                <a:solidFill>
+                  <a:srgbClr val="FFFFFF"/>
+                </a:solidFill>
+                <a:latin typeface="Andale Mono"/>
+                <a:cs typeface="Andale Mono"/>
+              </a:rPr>
+              <a:t>plt.plot</a:t>
+            </a:r>
+            <a:r>
+              <a:rPr lang="en-US" sz="1800" dirty="0">
+                <a:solidFill>
+                  <a:srgbClr val="FFFFFF"/>
+                </a:solidFill>
+                <a:latin typeface="Andale Mono"/>
+                <a:cs typeface="Andale Mono"/>
+              </a:rPr>
+              <a:t>(x, (m*</a:t>
+            </a:r>
+            <a:r>
+              <a:rPr lang="en-US" sz="1800" dirty="0" err="1">
+                <a:solidFill>
+                  <a:srgbClr val="FFFFFF"/>
+                </a:solidFill>
+                <a:latin typeface="Andale Mono"/>
+                <a:cs typeface="Andale Mono"/>
+              </a:rPr>
+              <a:t>x+c</a:t>
+            </a:r>
+            <a:r>
+              <a:rPr lang="en-US" sz="1800" dirty="0">
+                <a:solidFill>
+                  <a:srgbClr val="FFFFFF"/>
+                </a:solidFill>
+                <a:latin typeface="Andale Mono"/>
+                <a:cs typeface="Andale Mono"/>
+              </a:rPr>
+              <a:t>))</a:t>
+            </a:r>
+          </a:p>
+          <a:p>
+            <a:pPr marL="0" indent="0">
+              <a:buNone/>
+            </a:pPr>
+            <a:r>
+              <a:rPr lang="en-US" sz="1800" dirty="0" err="1">
+                <a:solidFill>
+                  <a:srgbClr val="FFFFFF"/>
+                </a:solidFill>
+                <a:latin typeface="Andale Mono"/>
+                <a:cs typeface="Andale Mono"/>
+              </a:rPr>
+              <a:t>plt.xlabel</a:t>
+            </a:r>
+            <a:r>
+              <a:rPr lang="en-US" sz="1800" dirty="0">
+                <a:solidFill>
+                  <a:srgbClr val="FFFFFF"/>
+                </a:solidFill>
+                <a:latin typeface="Andale Mono"/>
+                <a:cs typeface="Andale Mono"/>
+              </a:rPr>
+              <a:t>('measured')</a:t>
+            </a:r>
+          </a:p>
+          <a:p>
+            <a:pPr marL="0" indent="0">
+              <a:buNone/>
+            </a:pPr>
+            <a:r>
+              <a:rPr lang="en-US" sz="1800" dirty="0" err="1">
+                <a:solidFill>
+                  <a:srgbClr val="FFFFFF"/>
+                </a:solidFill>
+                <a:latin typeface="Andale Mono"/>
+                <a:cs typeface="Andale Mono"/>
+              </a:rPr>
+              <a:t>plt.ylabel</a:t>
+            </a:r>
+            <a:r>
+              <a:rPr lang="en-US" sz="1800" dirty="0">
+                <a:solidFill>
+                  <a:srgbClr val="FFFFFF"/>
+                </a:solidFill>
+                <a:latin typeface="Andale Mono"/>
+                <a:cs typeface="Andale Mono"/>
+              </a:rPr>
+              <a:t>('observed')</a:t>
+            </a:r>
+          </a:p>
+          <a:p>
+            <a:pPr marL="0" indent="0">
+              <a:buNone/>
+            </a:pPr>
+            <a:r>
+              <a:rPr lang="en-US" sz="1800" dirty="0" err="1">
+                <a:solidFill>
+                  <a:srgbClr val="FFFFFF"/>
+                </a:solidFill>
+                <a:latin typeface="Andale Mono"/>
+                <a:cs typeface="Andale Mono"/>
+              </a:rPr>
+              <a:t>plt.savefig</a:t>
+            </a:r>
+            <a:r>
+              <a:rPr lang="en-US" sz="1800" dirty="0">
+                <a:solidFill>
+                  <a:srgbClr val="FFFFFF"/>
+                </a:solidFill>
+                <a:latin typeface="Andale Mono"/>
+                <a:cs typeface="Andale Mono"/>
+              </a:rPr>
+              <a:t>('</a:t>
+            </a:r>
+            <a:r>
               <a:rPr lang="en-US" sz="1800" dirty="0" err="1" smtClean="0">
                 <a:solidFill>
                   <a:srgbClr val="FFFFFF"/>
@@ -3654,7 +4077,7 @@
                 <a:latin typeface="Andale Mono"/>
                 <a:cs typeface="Andale Mono"/>
               </a:rPr>
-              <a:t>Prefig</a:t>
+              <a:t>test_orig.png</a:t>
             </a:r>
             <a:r>
               <a:rPr lang="en-US" sz="1800" dirty="0" smtClean="0">
@@ -3664,357 +4087,450 @@
                 <a:latin typeface="Andale Mono"/>
                 <a:cs typeface="Andale Mono"/>
               </a:rPr>
-              <a:t>(</a:t>
-            </a:r>
-            <a:r>
-              <a:rPr lang="en-US" sz="1800" dirty="0" err="1" smtClean="0">
-                <a:solidFill>
-                  <a:srgbClr val="FFFFFF"/>
-                </a:solidFill>
-                <a:latin typeface="Andale Mono"/>
-                <a:cs typeface="Andale Mono"/>
-              </a:rPr>
-              <a:t>axcol</a:t>
-            </a:r>
-            <a:r>
-              <a:rPr lang="en-US" sz="1800" dirty="0" smtClean="0">
-                <a:solidFill>
-                  <a:srgbClr val="FFFFFF"/>
-                </a:solidFill>
-                <a:latin typeface="Andale Mono"/>
-                <a:cs typeface="Andale Mono"/>
-              </a:rPr>
-              <a:t>=‘w’, </a:t>
-            </a:r>
-            <a:r>
-              <a:rPr lang="en-US" sz="1800" dirty="0" err="1" smtClean="0">
-                <a:solidFill>
-                  <a:srgbClr val="FFFFFF"/>
-                </a:solidFill>
-                <a:latin typeface="Andale Mono"/>
-                <a:cs typeface="Andale Mono"/>
-              </a:rPr>
-              <a:t>fontcol</a:t>
-            </a:r>
-            <a:r>
-              <a:rPr lang="en-US" sz="1800" dirty="0" smtClean="0">
-                <a:solidFill>
-                  <a:srgbClr val="FFFFFF"/>
-                </a:solidFill>
-                <a:latin typeface="Andale Mono"/>
-                <a:cs typeface="Andale Mono"/>
-              </a:rPr>
-              <a:t>=‘w’)</a:t>
+              <a:t>’)</a:t>
             </a:r>
           </a:p>
           <a:p>
             <a:pPr marL="0" indent="0">
               <a:buNone/>
             </a:pPr>
-            <a:r>
-              <a:rPr lang="en-US" sz="1800" dirty="0" err="1" smtClean="0">
-                <a:solidFill>
-                  <a:schemeClr val="bg1">
-                    <a:lumMod val="65000"/>
-                  </a:schemeClr>
-                </a:solidFill>
-                <a:latin typeface="Andale Mono"/>
-                <a:cs typeface="Andale Mono"/>
-              </a:rPr>
-              <a:t>plt.errorbar</a:t>
-            </a:r>
-            <a:r>
-              <a:rPr lang="en-US" sz="1800" dirty="0" smtClean="0">
-                <a:solidFill>
-                  <a:schemeClr val="bg1">
-                    <a:lumMod val="65000"/>
-                  </a:schemeClr>
-                </a:solidFill>
-                <a:latin typeface="Andale Mono"/>
-                <a:cs typeface="Andale Mono"/>
-              </a:rPr>
-              <a:t>(</a:t>
-            </a:r>
-            <a:r>
-              <a:rPr lang="en-US" sz="1800" dirty="0" err="1" smtClean="0">
-                <a:solidFill>
-                  <a:schemeClr val="bg1">
-                    <a:lumMod val="65000"/>
-                  </a:schemeClr>
-                </a:solidFill>
-                <a:latin typeface="Andale Mono"/>
-                <a:cs typeface="Andale Mono"/>
-              </a:rPr>
-              <a:t>x,y</a:t>
-            </a:r>
-            <a:r>
-              <a:rPr lang="en-US" sz="1800" dirty="0" smtClean="0">
-                <a:solidFill>
-                  <a:schemeClr val="bg1">
-                    <a:lumMod val="65000"/>
-                  </a:schemeClr>
-                </a:solidFill>
-                <a:latin typeface="Andale Mono"/>
-                <a:cs typeface="Andale Mono"/>
-              </a:rPr>
-              <a:t>, </a:t>
-            </a:r>
-            <a:r>
-              <a:rPr lang="en-US" sz="1800" dirty="0" err="1" smtClean="0">
-                <a:solidFill>
-                  <a:schemeClr val="bg1">
-                    <a:lumMod val="65000"/>
-                  </a:schemeClr>
-                </a:solidFill>
-                <a:latin typeface="Andale Mono"/>
-                <a:cs typeface="Andale Mono"/>
-              </a:rPr>
-              <a:t>yerr</a:t>
-            </a:r>
-            <a:r>
-              <a:rPr lang="en-US" sz="1800" dirty="0" smtClean="0">
-                <a:solidFill>
-                  <a:schemeClr val="bg1">
-                    <a:lumMod val="65000"/>
-                  </a:schemeClr>
-                </a:solidFill>
-                <a:latin typeface="Andale Mono"/>
-                <a:cs typeface="Andale Mono"/>
-              </a:rPr>
-              <a:t>, </a:t>
-            </a:r>
-            <a:r>
-              <a:rPr lang="en-US" sz="1800" dirty="0" err="1" smtClean="0">
-                <a:solidFill>
-                  <a:schemeClr val="bg1">
-                    <a:lumMod val="65000"/>
-                  </a:schemeClr>
-                </a:solidFill>
-                <a:latin typeface="Andale Mono"/>
-                <a:cs typeface="Andale Mono"/>
-              </a:rPr>
-              <a:t>xerr</a:t>
-            </a:r>
-            <a:r>
-              <a:rPr lang="en-US" sz="1800" dirty="0" smtClean="0">
-                <a:solidFill>
-                  <a:schemeClr val="bg1">
-                    <a:lumMod val="65000"/>
-                  </a:schemeClr>
-                </a:solidFill>
-                <a:latin typeface="Andale Mono"/>
-                <a:cs typeface="Andale Mono"/>
-              </a:rPr>
-              <a:t>=None, </a:t>
-            </a:r>
-            <a:r>
-              <a:rPr lang="en-US" sz="1800" dirty="0" err="1" smtClean="0">
-                <a:solidFill>
-                  <a:schemeClr val="bg1">
-                    <a:lumMod val="65000"/>
-                  </a:schemeClr>
-                </a:solidFill>
-                <a:latin typeface="Andale Mono"/>
-                <a:cs typeface="Andale Mono"/>
-              </a:rPr>
-              <a:t>fmt</a:t>
-            </a:r>
-            <a:r>
-              <a:rPr lang="en-US" sz="1800" dirty="0" smtClean="0">
-                <a:solidFill>
-                  <a:schemeClr val="bg1">
-                    <a:lumMod val="65000"/>
-                  </a:schemeClr>
-                </a:solidFill>
-                <a:latin typeface="Andale Mono"/>
-                <a:cs typeface="Andale Mono"/>
-              </a:rPr>
-              <a:t>=' ', marker='D')</a:t>
-            </a:r>
+            <a:endParaRPr lang="en-US" sz="1800" dirty="0" smtClean="0">
+              <a:solidFill>
+                <a:srgbClr val="FFFFFF"/>
+              </a:solidFill>
+              <a:latin typeface="Andale Mono"/>
+              <a:cs typeface="Andale Mono"/>
+            </a:endParaRPr>
           </a:p>
           <a:p>
             <a:pPr marL="0" indent="0">
               <a:buNone/>
             </a:pPr>
-            <a:r>
-              <a:rPr lang="en-US" sz="1800" dirty="0" err="1" smtClean="0">
-                <a:solidFill>
-                  <a:schemeClr val="bg1">
-                    <a:lumMod val="65000"/>
-                  </a:schemeClr>
-                </a:solidFill>
-                <a:latin typeface="Andale Mono"/>
-                <a:cs typeface="Andale Mono"/>
-              </a:rPr>
-              <a:t>plt.plot</a:t>
-            </a:r>
-            <a:r>
-              <a:rPr lang="en-US" sz="1800" dirty="0" smtClean="0">
-                <a:solidFill>
-                  <a:schemeClr val="bg1">
-                    <a:lumMod val="65000"/>
-                  </a:schemeClr>
-                </a:solidFill>
-                <a:latin typeface="Andale Mono"/>
-                <a:cs typeface="Andale Mono"/>
-              </a:rPr>
-              <a:t>(x, (m*</a:t>
-            </a:r>
-            <a:r>
-              <a:rPr lang="en-US" sz="1800" dirty="0" err="1" smtClean="0">
-                <a:solidFill>
-                  <a:schemeClr val="bg1">
-                    <a:lumMod val="65000"/>
-                  </a:schemeClr>
-                </a:solidFill>
-                <a:latin typeface="Andale Mono"/>
-                <a:cs typeface="Andale Mono"/>
-              </a:rPr>
-              <a:t>x+c</a:t>
-            </a:r>
-            <a:r>
-              <a:rPr lang="en-US" sz="1800" dirty="0" smtClean="0">
-                <a:solidFill>
-                  <a:schemeClr val="bg1">
-                    <a:lumMod val="65000"/>
-                  </a:schemeClr>
-                </a:solidFill>
-                <a:latin typeface="Andale Mono"/>
-                <a:cs typeface="Andale Mono"/>
-              </a:rPr>
-              <a:t>))</a:t>
-            </a:r>
-          </a:p>
-          <a:p>
-            <a:pPr marL="0" indent="0">
-              <a:buNone/>
-            </a:pPr>
-            <a:r>
-              <a:rPr lang="en-US" sz="1800" dirty="0" err="1" smtClean="0">
-                <a:solidFill>
-                  <a:schemeClr val="bg1">
-                    <a:lumMod val="65000"/>
-                  </a:schemeClr>
-                </a:solidFill>
-                <a:latin typeface="Andale Mono"/>
-                <a:cs typeface="Andale Mono"/>
-              </a:rPr>
-              <a:t>plt.xlabel</a:t>
-            </a:r>
-            <a:r>
-              <a:rPr lang="en-US" sz="1800" dirty="0" smtClean="0">
-                <a:solidFill>
-                  <a:schemeClr val="bg1">
-                    <a:lumMod val="65000"/>
-                  </a:schemeClr>
-                </a:solidFill>
-                <a:latin typeface="Andale Mono"/>
-                <a:cs typeface="Andale Mono"/>
-              </a:rPr>
-              <a:t>('measured')</a:t>
-            </a:r>
-          </a:p>
-          <a:p>
-            <a:pPr marL="0" indent="0">
-              <a:buNone/>
-            </a:pPr>
-            <a:r>
-              <a:rPr lang="en-US" sz="1800" dirty="0" err="1" smtClean="0">
-                <a:solidFill>
-                  <a:schemeClr val="bg1">
-                    <a:lumMod val="65000"/>
-                  </a:schemeClr>
-                </a:solidFill>
-                <a:latin typeface="Andale Mono"/>
-                <a:cs typeface="Andale Mono"/>
-              </a:rPr>
-              <a:t>plt.ylabel</a:t>
-            </a:r>
-            <a:r>
-              <a:rPr lang="en-US" sz="1800" dirty="0" smtClean="0">
-                <a:solidFill>
-                  <a:schemeClr val="bg1">
-                    <a:lumMod val="65000"/>
-                  </a:schemeClr>
-                </a:solidFill>
-                <a:latin typeface="Andale Mono"/>
-                <a:cs typeface="Andale Mono"/>
-              </a:rPr>
-              <a:t>('observed')</a:t>
-            </a:r>
-          </a:p>
-          <a:p>
-            <a:pPr marL="0" indent="0">
-              <a:buNone/>
-            </a:pPr>
-            <a:r>
-              <a:rPr lang="en-US" sz="1800" dirty="0" err="1" smtClean="0">
-                <a:solidFill>
-                  <a:schemeClr val="bg1">
-                    <a:lumMod val="65000"/>
-                  </a:schemeClr>
-                </a:solidFill>
-                <a:latin typeface="Andale Mono"/>
-                <a:cs typeface="Andale Mono"/>
-              </a:rPr>
-              <a:t>plt.savefig</a:t>
-            </a:r>
-            <a:r>
-              <a:rPr lang="en-US" sz="1800" dirty="0" smtClean="0">
-                <a:solidFill>
-                  <a:schemeClr val="bg1">
-                    <a:lumMod val="65000"/>
-                  </a:schemeClr>
-                </a:solidFill>
-                <a:latin typeface="Andale Mono"/>
-                <a:cs typeface="Andale Mono"/>
-              </a:rPr>
-              <a:t>('</a:t>
-            </a:r>
-            <a:r>
-              <a:rPr lang="en-US" sz="1800" dirty="0" err="1" smtClean="0">
-                <a:solidFill>
-                  <a:schemeClr val="bg1">
-                    <a:lumMod val="65000"/>
-                  </a:schemeClr>
-                </a:solidFill>
-                <a:latin typeface="Andale Mono"/>
-                <a:cs typeface="Andale Mono"/>
-              </a:rPr>
-              <a:t>test_orig.png</a:t>
-            </a:r>
-            <a:r>
-              <a:rPr lang="en-US" sz="1800" dirty="0" smtClean="0">
-                <a:solidFill>
-                  <a:schemeClr val="bg1">
-                    <a:lumMod val="65000"/>
-                  </a:schemeClr>
-                </a:solidFill>
-                <a:latin typeface="Andale Mono"/>
-                <a:cs typeface="Andale Mono"/>
-              </a:rPr>
-              <a:t>')</a:t>
-            </a:r>
-          </a:p>
-          <a:p>
-            <a:endParaRPr lang="en-US" sz="1800" dirty="0"/>
+            <a:endParaRPr lang="en-US" sz="1800" dirty="0">
+              <a:solidFill>
+                <a:srgbClr val="FFFFFF"/>
+              </a:solidFill>
+              <a:latin typeface="Andale Mono"/>
+              <a:cs typeface="Andale Mono"/>
+            </a:endParaRPr>
           </a:p>
         </p:txBody>
       </p:sp>
     </p:spTree>
     <p:extLst>
       <p:ext uri="{BB962C8B-B14F-4D97-AF65-F5344CB8AC3E}">
-        <p14:creationId xmlns:p14="http://schemas.microsoft.com/office/powerpoint/2010/main" val="2166236765"/>
+        <p14:creationId xmlns:p14="http://schemas.microsoft.com/office/powerpoint/2010/main" val="1542150762"/>
       </p:ext>
     </p:extLst>
   </p:cSld>
   <p:clrMapOvr>
     <a:masterClrMapping/>
   </p:clrMapOvr>
+  <p:timing>
+    <p:tnLst>
+      <p:par>
+        <p:cTn xmlns:p14="http://schemas.microsoft.com/office/powerpoint/2010/main" id="1" dur="indefinite" restart="never" nodeType="tmRoot"/>
+      </p:par>
+    </p:tnLst>
+  </p:timing>
 </p:sld>
 </file>
 
 <file path=ppt/slides/slide5.xml><?xml version="1.0" encoding="utf-8"?>
+<p:sld xmlns:a="http://schemas.openxmlformats.org/drawingml/2006/main" xmlns:r="http://schemas.openxmlformats.org/officeDocument/2006/relationships" xmlns:p="http://schemas.openxmlformats.org/presentationml/2006/main">
+  <p:cSld>
+    <p:spTree>
+      <p:nvGrpSpPr>
+        <p:cNvPr id="1" name=""/>
+        <p:cNvGrpSpPr/>
+        <p:nvPr/>
+      </p:nvGrpSpPr>
+      <p:grpSpPr>
+        <a:xfrm>
+          <a:off x="0" y="0"/>
+          <a:ext cx="0" cy="0"/>
+          <a:chOff x="0" y="0"/>
+          <a:chExt cx="0" cy="0"/>
+        </a:xfrm>
+      </p:grpSpPr>
+      <p:sp>
+        <p:nvSpPr>
+          <p:cNvPr id="3" name="Content Placeholder 2"/>
+          <p:cNvSpPr>
+            <a:spLocks noGrp="1"/>
+          </p:cNvSpPr>
+          <p:nvPr>
+            <p:ph idx="1"/>
+          </p:nvPr>
+        </p:nvSpPr>
+        <p:spPr>
+          <a:xfrm>
+            <a:off x="457200" y="429324"/>
+            <a:ext cx="8229600" cy="6135752"/>
+          </a:xfrm>
+        </p:spPr>
+        <p:txBody>
+          <a:bodyPr anchor="ctr">
+            <a:normAutofit/>
+          </a:bodyPr>
+          <a:lstStyle/>
+          <a:p>
+            <a:pPr marL="0" indent="0">
+              <a:buNone/>
+            </a:pPr>
+            <a:r>
+              <a:rPr lang="en-US" sz="1800" dirty="0" err="1" smtClean="0">
+                <a:solidFill>
+                  <a:srgbClr val="FFFFFF"/>
+                </a:solidFill>
+                <a:latin typeface="Andale Mono"/>
+                <a:cs typeface="Andale Mono"/>
+              </a:rPr>
+              <a:t>Prefig</a:t>
+            </a:r>
+            <a:r>
+              <a:rPr lang="en-US" sz="1800" dirty="0" smtClean="0">
+                <a:solidFill>
+                  <a:srgbClr val="FFFFFF"/>
+                </a:solidFill>
+                <a:latin typeface="Andale Mono"/>
+                <a:cs typeface="Andale Mono"/>
+              </a:rPr>
+              <a:t>(</a:t>
+            </a:r>
+            <a:r>
+              <a:rPr lang="en-US" sz="1800" dirty="0" err="1" smtClean="0">
+                <a:solidFill>
+                  <a:srgbClr val="FFFFFF"/>
+                </a:solidFill>
+                <a:latin typeface="Andale Mono"/>
+                <a:cs typeface="Andale Mono"/>
+              </a:rPr>
+              <a:t>axcol</a:t>
+            </a:r>
+            <a:r>
+              <a:rPr lang="en-US" sz="1800" dirty="0" smtClean="0">
+                <a:solidFill>
+                  <a:srgbClr val="FFFFFF"/>
+                </a:solidFill>
+                <a:latin typeface="Andale Mono"/>
+                <a:cs typeface="Andale Mono"/>
+              </a:rPr>
+              <a:t>=‘w’, </a:t>
+            </a:r>
+            <a:r>
+              <a:rPr lang="en-US" sz="1800" dirty="0" err="1" smtClean="0">
+                <a:solidFill>
+                  <a:srgbClr val="FFFFFF"/>
+                </a:solidFill>
+                <a:latin typeface="Andale Mono"/>
+                <a:cs typeface="Andale Mono"/>
+              </a:rPr>
+              <a:t>fontcol</a:t>
+            </a:r>
+            <a:r>
+              <a:rPr lang="en-US" sz="1800" dirty="0" smtClean="0">
+                <a:solidFill>
+                  <a:srgbClr val="FFFFFF"/>
+                </a:solidFill>
+                <a:latin typeface="Andale Mono"/>
+                <a:cs typeface="Andale Mono"/>
+              </a:rPr>
+              <a:t>=‘w’)</a:t>
+            </a:r>
+          </a:p>
+          <a:p>
+            <a:pPr marL="0" indent="0">
+              <a:buNone/>
+            </a:pPr>
+            <a:r>
+              <a:rPr lang="en-US" sz="1800" dirty="0" err="1" smtClean="0">
+                <a:solidFill>
+                  <a:srgbClr val="A6A6A6"/>
+                </a:solidFill>
+                <a:latin typeface="Andale Mono"/>
+                <a:cs typeface="Andale Mono"/>
+              </a:rPr>
+              <a:t>plt.errorbar</a:t>
+            </a:r>
+            <a:r>
+              <a:rPr lang="en-US" sz="1800" dirty="0">
+                <a:solidFill>
+                  <a:srgbClr val="A6A6A6"/>
+                </a:solidFill>
+                <a:latin typeface="Andale Mono"/>
+                <a:cs typeface="Andale Mono"/>
+              </a:rPr>
+              <a:t>(</a:t>
+            </a:r>
+            <a:r>
+              <a:rPr lang="en-US" sz="1800" dirty="0" err="1">
+                <a:solidFill>
+                  <a:srgbClr val="A6A6A6"/>
+                </a:solidFill>
+                <a:latin typeface="Andale Mono"/>
+                <a:cs typeface="Andale Mono"/>
+              </a:rPr>
+              <a:t>x,y</a:t>
+            </a:r>
+            <a:r>
+              <a:rPr lang="en-US" sz="1800" dirty="0">
+                <a:solidFill>
+                  <a:srgbClr val="A6A6A6"/>
+                </a:solidFill>
+                <a:latin typeface="Andale Mono"/>
+                <a:cs typeface="Andale Mono"/>
+              </a:rPr>
+              <a:t>, </a:t>
+            </a:r>
+            <a:r>
+              <a:rPr lang="en-US" sz="1800" dirty="0" err="1">
+                <a:solidFill>
+                  <a:srgbClr val="A6A6A6"/>
+                </a:solidFill>
+                <a:latin typeface="Andale Mono"/>
+                <a:cs typeface="Andale Mono"/>
+              </a:rPr>
+              <a:t>yerr</a:t>
+            </a:r>
+            <a:r>
+              <a:rPr lang="en-US" sz="1800" dirty="0">
+                <a:solidFill>
+                  <a:srgbClr val="A6A6A6"/>
+                </a:solidFill>
+                <a:latin typeface="Andale Mono"/>
+                <a:cs typeface="Andale Mono"/>
+              </a:rPr>
+              <a:t>, </a:t>
+            </a:r>
+            <a:r>
+              <a:rPr lang="en-US" sz="1800" dirty="0" err="1">
+                <a:solidFill>
+                  <a:srgbClr val="A6A6A6"/>
+                </a:solidFill>
+                <a:latin typeface="Andale Mono"/>
+                <a:cs typeface="Andale Mono"/>
+              </a:rPr>
+              <a:t>xerr</a:t>
+            </a:r>
+            <a:r>
+              <a:rPr lang="en-US" sz="1800" dirty="0">
+                <a:solidFill>
+                  <a:srgbClr val="A6A6A6"/>
+                </a:solidFill>
+                <a:latin typeface="Andale Mono"/>
+                <a:cs typeface="Andale Mono"/>
+              </a:rPr>
+              <a:t>=None, </a:t>
+            </a:r>
+            <a:r>
+              <a:rPr lang="en-US" sz="1800" dirty="0" err="1">
+                <a:solidFill>
+                  <a:srgbClr val="A6A6A6"/>
+                </a:solidFill>
+                <a:latin typeface="Andale Mono"/>
+                <a:cs typeface="Andale Mono"/>
+              </a:rPr>
+              <a:t>fmt</a:t>
+            </a:r>
+            <a:r>
+              <a:rPr lang="en-US" sz="1800" dirty="0">
+                <a:solidFill>
+                  <a:srgbClr val="A6A6A6"/>
+                </a:solidFill>
+                <a:latin typeface="Andale Mono"/>
+                <a:cs typeface="Andale Mono"/>
+              </a:rPr>
+              <a:t>=' ', marker='D')</a:t>
+            </a:r>
+          </a:p>
+          <a:p>
+            <a:pPr marL="0" indent="0">
+              <a:buNone/>
+            </a:pPr>
+            <a:r>
+              <a:rPr lang="en-US" sz="1800" dirty="0" err="1">
+                <a:solidFill>
+                  <a:srgbClr val="A6A6A6"/>
+                </a:solidFill>
+                <a:latin typeface="Andale Mono"/>
+                <a:cs typeface="Andale Mono"/>
+              </a:rPr>
+              <a:t>plt.plot</a:t>
+            </a:r>
+            <a:r>
+              <a:rPr lang="en-US" sz="1800" dirty="0">
+                <a:solidFill>
+                  <a:srgbClr val="A6A6A6"/>
+                </a:solidFill>
+                <a:latin typeface="Andale Mono"/>
+                <a:cs typeface="Andale Mono"/>
+              </a:rPr>
+              <a:t>(x, (m*</a:t>
+            </a:r>
+            <a:r>
+              <a:rPr lang="en-US" sz="1800" dirty="0" err="1">
+                <a:solidFill>
+                  <a:srgbClr val="A6A6A6"/>
+                </a:solidFill>
+                <a:latin typeface="Andale Mono"/>
+                <a:cs typeface="Andale Mono"/>
+              </a:rPr>
+              <a:t>x+c</a:t>
+            </a:r>
+            <a:r>
+              <a:rPr lang="en-US" sz="1800" dirty="0">
+                <a:solidFill>
+                  <a:srgbClr val="A6A6A6"/>
+                </a:solidFill>
+                <a:latin typeface="Andale Mono"/>
+                <a:cs typeface="Andale Mono"/>
+              </a:rPr>
+              <a:t>))</a:t>
+            </a:r>
+          </a:p>
+          <a:p>
+            <a:pPr marL="0" indent="0">
+              <a:buNone/>
+            </a:pPr>
+            <a:r>
+              <a:rPr lang="en-US" sz="1800" dirty="0" err="1">
+                <a:solidFill>
+                  <a:srgbClr val="A6A6A6"/>
+                </a:solidFill>
+                <a:latin typeface="Andale Mono"/>
+                <a:cs typeface="Andale Mono"/>
+              </a:rPr>
+              <a:t>plt.xlabel</a:t>
+            </a:r>
+            <a:r>
+              <a:rPr lang="en-US" sz="1800" dirty="0">
+                <a:solidFill>
+                  <a:srgbClr val="A6A6A6"/>
+                </a:solidFill>
+                <a:latin typeface="Andale Mono"/>
+                <a:cs typeface="Andale Mono"/>
+              </a:rPr>
+              <a:t>('measured')</a:t>
+            </a:r>
+          </a:p>
+          <a:p>
+            <a:pPr marL="0" indent="0">
+              <a:buNone/>
+            </a:pPr>
+            <a:r>
+              <a:rPr lang="en-US" sz="1800" dirty="0" err="1">
+                <a:solidFill>
+                  <a:srgbClr val="A6A6A6"/>
+                </a:solidFill>
+                <a:latin typeface="Andale Mono"/>
+                <a:cs typeface="Andale Mono"/>
+              </a:rPr>
+              <a:t>plt.ylabel</a:t>
+            </a:r>
+            <a:r>
+              <a:rPr lang="en-US" sz="1800" dirty="0">
+                <a:solidFill>
+                  <a:srgbClr val="A6A6A6"/>
+                </a:solidFill>
+                <a:latin typeface="Andale Mono"/>
+                <a:cs typeface="Andale Mono"/>
+              </a:rPr>
+              <a:t>('observed')</a:t>
+            </a:r>
+          </a:p>
+          <a:p>
+            <a:pPr marL="0" indent="0">
+              <a:buNone/>
+            </a:pPr>
+            <a:r>
+              <a:rPr lang="en-US" sz="1800" dirty="0" err="1">
+                <a:solidFill>
+                  <a:srgbClr val="A6A6A6"/>
+                </a:solidFill>
+                <a:latin typeface="Andale Mono"/>
+                <a:cs typeface="Andale Mono"/>
+              </a:rPr>
+              <a:t>plt.savefig</a:t>
+            </a:r>
+            <a:r>
+              <a:rPr lang="en-US" sz="1800" dirty="0">
+                <a:solidFill>
+                  <a:srgbClr val="A6A6A6"/>
+                </a:solidFill>
+                <a:latin typeface="Andale Mono"/>
+                <a:cs typeface="Andale Mono"/>
+              </a:rPr>
+              <a:t>('</a:t>
+            </a:r>
+            <a:r>
+              <a:rPr lang="en-US" sz="1800" dirty="0" err="1" smtClean="0">
+                <a:solidFill>
+                  <a:srgbClr val="A6A6A6"/>
+                </a:solidFill>
+                <a:latin typeface="Andale Mono"/>
+                <a:cs typeface="Andale Mono"/>
+              </a:rPr>
+              <a:t>test_orig.png</a:t>
+            </a:r>
+            <a:r>
+              <a:rPr lang="en-US" sz="1800" dirty="0" smtClean="0">
+                <a:solidFill>
+                  <a:srgbClr val="A6A6A6"/>
+                </a:solidFill>
+                <a:latin typeface="Andale Mono"/>
+                <a:cs typeface="Andale Mono"/>
+              </a:rPr>
+              <a:t>’)</a:t>
+            </a:r>
+          </a:p>
+          <a:p>
+            <a:pPr marL="0" indent="0">
+              <a:buNone/>
+            </a:pPr>
+            <a:endParaRPr lang="en-US" sz="1800" dirty="0" smtClean="0">
+              <a:solidFill>
+                <a:srgbClr val="FFFFFF"/>
+              </a:solidFill>
+              <a:latin typeface="Andale Mono"/>
+              <a:cs typeface="Andale Mono"/>
+            </a:endParaRPr>
+          </a:p>
+          <a:p>
+            <a:pPr marL="0" indent="0">
+              <a:buNone/>
+            </a:pPr>
+            <a:endParaRPr lang="en-US" sz="1800" dirty="0">
+              <a:solidFill>
+                <a:srgbClr val="FFFFFF"/>
+              </a:solidFill>
+              <a:latin typeface="Andale Mono"/>
+              <a:cs typeface="Andale Mono"/>
+            </a:endParaRPr>
+          </a:p>
+        </p:txBody>
+      </p:sp>
+    </p:spTree>
+    <p:extLst>
+      <p:ext uri="{BB962C8B-B14F-4D97-AF65-F5344CB8AC3E}">
+        <p14:creationId xmlns:p14="http://schemas.microsoft.com/office/powerpoint/2010/main" val="2323644933"/>
+      </p:ext>
+    </p:extLst>
+  </p:cSld>
+  <p:clrMapOvr>
+    <a:masterClrMapping/>
+  </p:clrMapOvr>
+  <p:timing>
+    <p:tnLst>
+      <p:par>
+        <p:cTn xmlns:p14="http://schemas.microsoft.com/office/powerpoint/2010/main" id="1" dur="indefinite" restart="never" nodeType="tmRoot"/>
+      </p:par>
+    </p:tnLst>
+  </p:timing>
+</p:sld>
+</file>
+
+<file path=ppt/slides/slide6.xml><?xml version="1.0" encoding="utf-8"?>
 <p:sld xmlns:a="http://schemas.openxmlformats.org/drawingml/2006/main" xmlns:r="http://schemas.openxmlformats.org/officeDocument/2006/relationships" xmlns:p="http://schemas.openxmlformats.org/presentationml/2006/main">
   <p:cSld>
     <p:spTree>
@@ -4065,81 +4581,6 @@
     <p:extLst>
       <p:ext uri="{BB962C8B-B14F-4D97-AF65-F5344CB8AC3E}">
         <p14:creationId xmlns:p14="http://schemas.microsoft.com/office/powerpoint/2010/main" val="1901446471"/>
-      </p:ext>
-    </p:extLst>
-  </p:cSld>
-  <p:clrMapOvr>
-    <a:masterClrMapping/>
-  </p:clrMapOvr>
-  <p:timing>
-    <p:tnLst>
-      <p:par>
-        <p:cTn xmlns:p14="http://schemas.microsoft.com/office/powerpoint/2010/main" id="1" dur="indefinite" restart="never" nodeType="tmRoot"/>
-      </p:par>
-    </p:tnLst>
-  </p:timing>
-</p:sld>
-</file>
-
-<file path=ppt/slides/slide6.xml><?xml version="1.0" encoding="utf-8"?>
-<p:sld xmlns:a="http://schemas.openxmlformats.org/drawingml/2006/main" xmlns:r="http://schemas.openxmlformats.org/officeDocument/2006/relationships" xmlns:p="http://schemas.openxmlformats.org/presentationml/2006/main">
-  <p:cSld>
-    <p:bg>
-      <p:bgPr>
-        <a:solidFill>
-          <a:srgbClr val="FFE304"/>
-        </a:solidFill>
-        <a:effectLst/>
-      </p:bgPr>
-    </p:bg>
-    <p:spTree>
-      <p:nvGrpSpPr>
-        <p:cNvPr id="1" name=""/>
-        <p:cNvGrpSpPr/>
-        <p:nvPr/>
-      </p:nvGrpSpPr>
-      <p:grpSpPr>
-        <a:xfrm>
-          <a:off x="0" y="0"/>
-          <a:ext cx="0" cy="0"/>
-          <a:chOff x="0" y="0"/>
-          <a:chExt cx="0" cy="0"/>
-        </a:xfrm>
-      </p:grpSpPr>
-      <p:pic>
-        <p:nvPicPr>
-          <p:cNvPr id="4" name="Picture 3" descr="test_prefig.png"/>
-          <p:cNvPicPr>
-            <a:picLocks noChangeAspect="1"/>
-          </p:cNvPicPr>
-          <p:nvPr/>
-        </p:nvPicPr>
-        <p:blipFill>
-          <a:blip r:embed="rId2">
-            <a:extLst>
-              <a:ext uri="{28A0092B-C50C-407E-A947-70E740481C1C}">
-                <a14:useLocalDpi xmlns:a14="http://schemas.microsoft.com/office/drawing/2010/main" val="0"/>
-              </a:ext>
-            </a:extLst>
-          </a:blip>
-          <a:stretch>
-            <a:fillRect/>
-          </a:stretch>
-        </p:blipFill>
-        <p:spPr>
-          <a:xfrm>
-            <a:off x="-17886" y="-33685"/>
-            <a:ext cx="9144000" cy="6858000"/>
-          </a:xfrm>
-          <a:prstGeom prst="rect">
-            <a:avLst/>
-          </a:prstGeom>
-        </p:spPr>
-      </p:pic>
-    </p:spTree>
-    <p:extLst>
-      <p:ext uri="{BB962C8B-B14F-4D97-AF65-F5344CB8AC3E}">
-        <p14:creationId xmlns:p14="http://schemas.microsoft.com/office/powerpoint/2010/main" val="3661125507"/>
       </p:ext>
     </p:extLst>
   </p:cSld>
@@ -4224,10 +4665,92 @@
   <p:clrMapOvr>
     <a:masterClrMapping/>
   </p:clrMapOvr>
+  <p:timing>
+    <p:tnLst>
+      <p:par>
+        <p:cTn xmlns:p14="http://schemas.microsoft.com/office/powerpoint/2010/main" id="1" dur="indefinite" restart="never" nodeType="tmRoot"/>
+      </p:par>
+    </p:tnLst>
+  </p:timing>
 </p:sld>
 </file>
 
 <file path=ppt/slides/slide8.xml><?xml version="1.0" encoding="utf-8"?>
+<p:sld xmlns:a="http://schemas.openxmlformats.org/drawingml/2006/main" xmlns:r="http://schemas.openxmlformats.org/officeDocument/2006/relationships" xmlns:p="http://schemas.openxmlformats.org/presentationml/2006/main">
+  <p:cSld>
+    <p:bg>
+      <p:bgPr>
+        <a:solidFill>
+          <a:srgbClr val="FFE304"/>
+        </a:solidFill>
+        <a:effectLst/>
+      </p:bgPr>
+    </p:bg>
+    <p:spTree>
+      <p:nvGrpSpPr>
+        <p:cNvPr id="1" name=""/>
+        <p:cNvGrpSpPr/>
+        <p:nvPr/>
+      </p:nvGrpSpPr>
+      <p:grpSpPr>
+        <a:xfrm>
+          <a:off x="0" y="0"/>
+          <a:ext cx="0" cy="0"/>
+          <a:chOff x="0" y="0"/>
+          <a:chExt cx="0" cy="0"/>
+        </a:xfrm>
+      </p:grpSpPr>
+      <p:pic>
+        <p:nvPicPr>
+          <p:cNvPr id="4" name="Picture 3" descr="test_prefig.png"/>
+          <p:cNvPicPr>
+            <a:picLocks noChangeAspect="1"/>
+          </p:cNvPicPr>
+          <p:nvPr/>
+        </p:nvPicPr>
+        <p:blipFill>
+          <a:blip r:embed="rId2">
+            <a:extLst>
+              <a:ext uri="{28A0092B-C50C-407E-A947-70E740481C1C}">
+                <a14:useLocalDpi xmlns:a14="http://schemas.microsoft.com/office/drawing/2010/main" val="0"/>
+              </a:ext>
+            </a:extLst>
+          </a:blip>
+          <a:stretch>
+            <a:fillRect/>
+          </a:stretch>
+        </p:blipFill>
+        <p:spPr>
+          <a:xfrm>
+            <a:off x="-17886" y="-33685"/>
+            <a:ext cx="9144000" cy="6858000"/>
+          </a:xfrm>
+          <a:prstGeom prst="rect">
+            <a:avLst/>
+          </a:prstGeom>
+        </p:spPr>
+      </p:pic>
+    </p:spTree>
+    <p:extLst>
+      <p:ext uri="{BB962C8B-B14F-4D97-AF65-F5344CB8AC3E}">
+        <p14:creationId xmlns:p14="http://schemas.microsoft.com/office/powerpoint/2010/main" val="3661125507"/>
+      </p:ext>
+    </p:extLst>
+  </p:cSld>
+  <p:clrMapOvr>
+    <a:masterClrMapping/>
+  </p:clrMapOvr>
+  <p:timing>
+    <p:tnLst>
+      <p:par>
+        <p:cTn xmlns:p14="http://schemas.microsoft.com/office/powerpoint/2010/main" id="1" dur="indefinite" restart="never" nodeType="tmRoot"/>
+      </p:par>
+    </p:tnLst>
+  </p:timing>
+</p:sld>
+</file>
+
+<file path=ppt/slides/slide9.xml><?xml version="1.0" encoding="utf-8"?>
 <p:sld xmlns:a="http://schemas.openxmlformats.org/drawingml/2006/main" xmlns:r="http://schemas.openxmlformats.org/officeDocument/2006/relationships" xmlns:p="http://schemas.openxmlformats.org/presentationml/2006/main">
   <p:cSld>
     <p:bg>
@@ -4254,7 +4777,7 @@
       </p:grpSpPr>
       <p:pic>
         <p:nvPicPr>
-          <p:cNvPr id="5" name="Picture 4" descr="test_prefig.png"/>
+          <p:cNvPr id="5" name="Picture 4" descr="test_orig.png"/>
           <p:cNvPicPr>
             <a:picLocks noChangeAspect="1"/>
           </p:cNvPicPr>
@@ -4274,8 +4797,8 @@
         </p:blipFill>
         <p:spPr>
           <a:xfrm>
-            <a:off x="0" y="0"/>
-            <a:ext cx="9144000" cy="6858000"/>
+            <a:off x="1480871" y="1121501"/>
+            <a:ext cx="6260541" cy="4695406"/>
           </a:xfrm>
           <a:prstGeom prst="rect">
             <a:avLst/>
@@ -4285,13 +4808,20 @@
     </p:spTree>
     <p:extLst>
       <p:ext uri="{BB962C8B-B14F-4D97-AF65-F5344CB8AC3E}">
-        <p14:creationId xmlns:p14="http://schemas.microsoft.com/office/powerpoint/2010/main" val="759618377"/>
+        <p14:creationId xmlns:p14="http://schemas.microsoft.com/office/powerpoint/2010/main" val="2076393282"/>
       </p:ext>
     </p:extLst>
   </p:cSld>
   <p:clrMapOvr>
     <a:masterClrMapping/>
   </p:clrMapOvr>
+  <p:timing>
+    <p:tnLst>
+      <p:par>
+        <p:cTn xmlns:p14="http://schemas.microsoft.com/office/powerpoint/2010/main" id="1" dur="indefinite" restart="never" nodeType="tmRoot"/>
+      </p:par>
+    </p:tnLst>
+  </p:timing>
 </p:sld>
 </file>
 
